--- a/test.pptx
+++ b/test.pptx
@@ -134,9 +134,9 @@
 </file>
 
 <file path=ppt/charts/chart1.xml><?xml version="1.0" encoding="utf-8"?>
-<c:chartSpace xmlns:c="http://schemas.openxmlformats.org/drawingml/2006/chart" xmlns:a="http://schemas.openxmlformats.org/drawingml/2006/main" xmlns:r="http://schemas.openxmlformats.org/officeDocument/2006/relationships" xmlns:c16r2="http://schemas.microsoft.com/office/drawing/2015/06/chart">
+<c:chartSpace xmlns:c="http://schemas.openxmlformats.org/drawingml/2006/chart" xmlns:a="http://schemas.openxmlformats.org/drawingml/2006/main" xmlns:r="http://schemas.openxmlformats.org/officeDocument/2006/relationships">
   <c:date1904 val="0"/>
-  <c:lang val="zh-TW"/>
+  <c:lang val="zh-CN"/>
   <c:roundedCorners val="0"/>
   <mc:AlternateContent xmlns:mc="http://schemas.openxmlformats.org/markup-compatibility/2006">
     <mc:Choice xmlns:c14="http://schemas.microsoft.com/office/drawing/2007/8/2/chart" Requires="c14">
@@ -148,7 +148,6 @@
   </mc:AlternateContent>
   <c:chart>
     <c:title>
-      <c:layout/>
       <c:overlay val="0"/>
       <c:spPr>
         <a:noFill/>
@@ -171,7 +170,7 @@
               <a:cs typeface="+mn-cs"/>
             </a:defRPr>
           </a:pPr>
-          <a:endParaRPr lang="zh-TW"/>
+          <a:endParaRPr lang="zh-CN"/>
         </a:p>
       </c:txPr>
     </c:title>
@@ -261,7 +260,7 @@
             </c:numRef>
           </c:val>
           <c:smooth val="0"/>
-          <c:extLst>
+          <c:extLst xmlns:c16r2="http://schemas.microsoft.com/office/drawing/2015/06/chart">
             <c:ext xmlns:c16="http://schemas.microsoft.com/office/drawing/2014/chart" uri="{C3380CC4-5D6E-409C-BE32-E72D297353CC}">
               <c16:uniqueId val="{00000000-360D-456F-B485-3CB5385A1568}"/>
             </c:ext>
@@ -347,7 +346,7 @@
             </c:numRef>
           </c:val>
           <c:smooth val="0"/>
-          <c:extLst>
+          <c:extLst xmlns:c16r2="http://schemas.microsoft.com/office/drawing/2015/06/chart">
             <c:ext xmlns:c16="http://schemas.microsoft.com/office/drawing/2014/chart" uri="{C3380CC4-5D6E-409C-BE32-E72D297353CC}">
               <c16:uniqueId val="{00000001-360D-456F-B485-3CB5385A1568}"/>
             </c:ext>
@@ -433,7 +432,7 @@
             </c:numRef>
           </c:val>
           <c:smooth val="0"/>
-          <c:extLst>
+          <c:extLst xmlns:c16r2="http://schemas.microsoft.com/office/drawing/2015/06/chart">
             <c:ext xmlns:c16="http://schemas.microsoft.com/office/drawing/2014/chart" uri="{C3380CC4-5D6E-409C-BE32-E72D297353CC}">
               <c16:uniqueId val="{00000002-360D-456F-B485-3CB5385A1568}"/>
             </c:ext>
@@ -449,11 +448,11 @@
         </c:dLbls>
         <c:marker val="1"/>
         <c:smooth val="0"/>
-        <c:axId val="-34555904"/>
-        <c:axId val="-34553728"/>
+        <c:axId val="-1169988576"/>
+        <c:axId val="-1169976608"/>
       </c:lineChart>
       <c:catAx>
-        <c:axId val="-34555904"/>
+        <c:axId val="-1169988576"/>
         <c:scaling>
           <c:orientation val="minMax"/>
         </c:scaling>
@@ -490,10 +489,10 @@
                 <a:cs typeface="+mn-cs"/>
               </a:defRPr>
             </a:pPr>
-            <a:endParaRPr lang="zh-TW"/>
+            <a:endParaRPr lang="zh-CN"/>
           </a:p>
         </c:txPr>
-        <c:crossAx val="-34553728"/>
+        <c:crossAx val="-1169976608"/>
         <c:crosses val="autoZero"/>
         <c:auto val="1"/>
         <c:lblAlgn val="ctr"/>
@@ -501,7 +500,7 @@
         <c:noMultiLvlLbl val="0"/>
       </c:catAx>
       <c:valAx>
-        <c:axId val="-34553728"/>
+        <c:axId val="-1169976608"/>
         <c:scaling>
           <c:orientation val="minMax"/>
         </c:scaling>
@@ -546,10 +545,10 @@
                 <a:cs typeface="+mn-cs"/>
               </a:defRPr>
             </a:pPr>
-            <a:endParaRPr lang="zh-TW"/>
+            <a:endParaRPr lang="zh-CN"/>
           </a:p>
         </c:txPr>
-        <c:crossAx val="-34555904"/>
+        <c:crossAx val="-1169988576"/>
         <c:crosses val="autoZero"/>
         <c:crossBetween val="between"/>
       </c:valAx>
@@ -563,7 +562,6 @@
     </c:plotArea>
     <c:legend>
       <c:legendPos val="b"/>
-      <c:layout/>
       <c:overlay val="0"/>
       <c:spPr>
         <a:noFill/>
@@ -586,7 +584,7 @@
               <a:cs typeface="+mn-cs"/>
             </a:defRPr>
           </a:pPr>
-          <a:endParaRPr lang="zh-TW"/>
+          <a:endParaRPr lang="zh-CN"/>
         </a:p>
       </c:txPr>
     </c:legend>
@@ -612,7 +610,7 @@
           </a:solidFill>
         </a:defRPr>
       </a:pPr>
-      <a:endParaRPr lang="zh-TW"/>
+      <a:endParaRPr lang="zh-CN"/>
     </a:p>
   </c:txPr>
   <c:externalData r:id="rId3">
@@ -622,9 +620,9 @@
 </file>
 
 <file path=ppt/charts/chart2.xml><?xml version="1.0" encoding="utf-8"?>
-<c:chartSpace xmlns:c="http://schemas.openxmlformats.org/drawingml/2006/chart" xmlns:a="http://schemas.openxmlformats.org/drawingml/2006/main" xmlns:r="http://schemas.openxmlformats.org/officeDocument/2006/relationships" xmlns:c16r2="http://schemas.microsoft.com/office/drawing/2015/06/chart">
+<c:chartSpace xmlns:c="http://schemas.openxmlformats.org/drawingml/2006/chart" xmlns:a="http://schemas.openxmlformats.org/drawingml/2006/main" xmlns:r="http://schemas.openxmlformats.org/officeDocument/2006/relationships">
   <c:date1904 val="0"/>
-  <c:lang val="zh-TW"/>
+  <c:lang val="zh-CN"/>
   <c:roundedCorners val="0"/>
   <mc:AlternateContent xmlns:mc="http://schemas.openxmlformats.org/markup-compatibility/2006">
     <mc:Choice xmlns:c14="http://schemas.microsoft.com/office/drawing/2007/8/2/chart" Requires="c14">
@@ -636,7 +634,6 @@
   </mc:AlternateContent>
   <c:chart>
     <c:title>
-      <c:layout/>
       <c:overlay val="0"/>
       <c:spPr>
         <a:noFill/>
@@ -659,7 +656,7 @@
               <a:cs typeface="+mn-cs"/>
             </a:defRPr>
           </a:pPr>
-          <a:endParaRPr lang="zh-TW"/>
+          <a:endParaRPr lang="zh-CN"/>
         </a:p>
       </c:txPr>
     </c:title>
@@ -735,7 +732,7 @@
               </c:numCache>
             </c:numRef>
           </c:val>
-          <c:extLst>
+          <c:extLst xmlns:c16r2="http://schemas.microsoft.com/office/drawing/2015/06/chart">
             <c:ext xmlns:c16="http://schemas.microsoft.com/office/drawing/2014/chart" uri="{C3380CC4-5D6E-409C-BE32-E72D297353CC}">
               <c16:uniqueId val="{00000000-19E1-4120-8E70-2163F4B61ABC}"/>
             </c:ext>
@@ -806,7 +803,7 @@
               </c:numCache>
             </c:numRef>
           </c:val>
-          <c:extLst>
+          <c:extLst xmlns:c16r2="http://schemas.microsoft.com/office/drawing/2015/06/chart">
             <c:ext xmlns:c16="http://schemas.microsoft.com/office/drawing/2014/chart" uri="{C3380CC4-5D6E-409C-BE32-E72D297353CC}">
               <c16:uniqueId val="{00000001-19E1-4120-8E70-2163F4B61ABC}"/>
             </c:ext>
@@ -877,7 +874,7 @@
               </c:numCache>
             </c:numRef>
           </c:val>
-          <c:extLst>
+          <c:extLst xmlns:c16r2="http://schemas.microsoft.com/office/drawing/2015/06/chart">
             <c:ext xmlns:c16="http://schemas.microsoft.com/office/drawing/2014/chart" uri="{C3380CC4-5D6E-409C-BE32-E72D297353CC}">
               <c16:uniqueId val="{00000002-19E1-4120-8E70-2163F4B61ABC}"/>
             </c:ext>
@@ -893,11 +890,11 @@
         </c:dLbls>
         <c:gapWidth val="219"/>
         <c:overlap val="-27"/>
-        <c:axId val="-266757024"/>
-        <c:axId val="-266758112"/>
+        <c:axId val="-1169982592"/>
+        <c:axId val="-1169989120"/>
       </c:barChart>
       <c:catAx>
-        <c:axId val="-266757024"/>
+        <c:axId val="-1169982592"/>
         <c:scaling>
           <c:orientation val="minMax"/>
         </c:scaling>
@@ -934,10 +931,10 @@
                 <a:cs typeface="+mn-cs"/>
               </a:defRPr>
             </a:pPr>
-            <a:endParaRPr lang="zh-TW"/>
+            <a:endParaRPr lang="zh-CN"/>
           </a:p>
         </c:txPr>
-        <c:crossAx val="-266758112"/>
+        <c:crossAx val="-1169989120"/>
         <c:crosses val="autoZero"/>
         <c:auto val="1"/>
         <c:lblAlgn val="ctr"/>
@@ -945,7 +942,7 @@
         <c:noMultiLvlLbl val="0"/>
       </c:catAx>
       <c:valAx>
-        <c:axId val="-266758112"/>
+        <c:axId val="-1169989120"/>
         <c:scaling>
           <c:orientation val="minMax"/>
         </c:scaling>
@@ -990,10 +987,10 @@
                 <a:cs typeface="+mn-cs"/>
               </a:defRPr>
             </a:pPr>
-            <a:endParaRPr lang="zh-TW"/>
+            <a:endParaRPr lang="zh-CN"/>
           </a:p>
         </c:txPr>
-        <c:crossAx val="-266757024"/>
+        <c:crossAx val="-1169982592"/>
         <c:crosses val="autoZero"/>
         <c:crossBetween val="between"/>
       </c:valAx>
@@ -1007,7 +1004,6 @@
     </c:plotArea>
     <c:legend>
       <c:legendPos val="b"/>
-      <c:layout/>
       <c:overlay val="0"/>
       <c:spPr>
         <a:noFill/>
@@ -1030,7 +1026,7 @@
               <a:cs typeface="+mn-cs"/>
             </a:defRPr>
           </a:pPr>
-          <a:endParaRPr lang="zh-TW"/>
+          <a:endParaRPr lang="zh-CN"/>
         </a:p>
       </c:txPr>
     </c:legend>
@@ -1056,7 +1052,7 @@
           </a:solidFill>
         </a:defRPr>
       </a:pPr>
-      <a:endParaRPr lang="zh-TW"/>
+      <a:endParaRPr lang="zh-CN"/>
     </a:p>
   </c:txPr>
   <c:externalData r:id="rId3">
@@ -1066,9 +1062,9 @@
 </file>
 
 <file path=ppt/charts/chart3.xml><?xml version="1.0" encoding="utf-8"?>
-<c:chartSpace xmlns:c="http://schemas.openxmlformats.org/drawingml/2006/chart" xmlns:a="http://schemas.openxmlformats.org/drawingml/2006/main" xmlns:r="http://schemas.openxmlformats.org/officeDocument/2006/relationships" xmlns:c16r2="http://schemas.microsoft.com/office/drawing/2015/06/chart">
+<c:chartSpace xmlns:c="http://schemas.openxmlformats.org/drawingml/2006/chart" xmlns:a="http://schemas.openxmlformats.org/drawingml/2006/main" xmlns:r="http://schemas.openxmlformats.org/officeDocument/2006/relationships">
   <c:date1904 val="0"/>
-  <c:lang val="zh-TW"/>
+  <c:lang val="zh-CN"/>
   <c:roundedCorners val="0"/>
   <mc:AlternateContent xmlns:mc="http://schemas.openxmlformats.org/markup-compatibility/2006">
     <mc:Choice xmlns:c14="http://schemas.microsoft.com/office/drawing/2007/8/2/chart" Requires="c14">
@@ -1080,7 +1076,6 @@
   </mc:AlternateContent>
   <c:chart>
     <c:title>
-      <c:layout/>
       <c:overlay val="0"/>
       <c:spPr>
         <a:noFill/>
@@ -1103,7 +1098,7 @@
               <a:cs typeface="+mn-cs"/>
             </a:defRPr>
           </a:pPr>
-          <a:endParaRPr lang="zh-TW"/>
+          <a:endParaRPr lang="zh-CN"/>
         </a:p>
       </c:txPr>
     </c:title>
@@ -1179,7 +1174,7 @@
               </c:numCache>
             </c:numRef>
           </c:val>
-          <c:extLst>
+          <c:extLst xmlns:c16r2="http://schemas.microsoft.com/office/drawing/2015/06/chart">
             <c:ext xmlns:c16="http://schemas.microsoft.com/office/drawing/2014/chart" uri="{C3380CC4-5D6E-409C-BE32-E72D297353CC}">
               <c16:uniqueId val="{00000000-94B1-499E-A542-A3E69BAAA7FA}"/>
             </c:ext>
@@ -1250,7 +1245,7 @@
               </c:numCache>
             </c:numRef>
           </c:val>
-          <c:extLst>
+          <c:extLst xmlns:c16r2="http://schemas.microsoft.com/office/drawing/2015/06/chart">
             <c:ext xmlns:c16="http://schemas.microsoft.com/office/drawing/2014/chart" uri="{C3380CC4-5D6E-409C-BE32-E72D297353CC}">
               <c16:uniqueId val="{00000001-94B1-499E-A542-A3E69BAAA7FA}"/>
             </c:ext>
@@ -1321,7 +1316,7 @@
               </c:numCache>
             </c:numRef>
           </c:val>
-          <c:extLst>
+          <c:extLst xmlns:c16r2="http://schemas.microsoft.com/office/drawing/2015/06/chart">
             <c:ext xmlns:c16="http://schemas.microsoft.com/office/drawing/2014/chart" uri="{C3380CC4-5D6E-409C-BE32-E72D297353CC}">
               <c16:uniqueId val="{00000002-94B1-499E-A542-A3E69BAAA7FA}"/>
             </c:ext>
@@ -1337,11 +1332,11 @@
         </c:dLbls>
         <c:gapWidth val="150"/>
         <c:overlap val="100"/>
-        <c:axId val="-266757568"/>
-        <c:axId val="-266755936"/>
+        <c:axId val="-1169982048"/>
+        <c:axId val="-1169985856"/>
       </c:barChart>
       <c:catAx>
-        <c:axId val="-266757568"/>
+        <c:axId val="-1169982048"/>
         <c:scaling>
           <c:orientation val="minMax"/>
         </c:scaling>
@@ -1378,10 +1373,10 @@
                 <a:cs typeface="+mn-cs"/>
               </a:defRPr>
             </a:pPr>
-            <a:endParaRPr lang="zh-TW"/>
+            <a:endParaRPr lang="zh-CN"/>
           </a:p>
         </c:txPr>
-        <c:crossAx val="-266755936"/>
+        <c:crossAx val="-1169985856"/>
         <c:crosses val="autoZero"/>
         <c:auto val="1"/>
         <c:lblAlgn val="ctr"/>
@@ -1389,7 +1384,7 @@
         <c:noMultiLvlLbl val="0"/>
       </c:catAx>
       <c:valAx>
-        <c:axId val="-266755936"/>
+        <c:axId val="-1169985856"/>
         <c:scaling>
           <c:orientation val="minMax"/>
         </c:scaling>
@@ -1434,10 +1429,10 @@
                 <a:cs typeface="+mn-cs"/>
               </a:defRPr>
             </a:pPr>
-            <a:endParaRPr lang="zh-TW"/>
+            <a:endParaRPr lang="zh-CN"/>
           </a:p>
         </c:txPr>
-        <c:crossAx val="-266757568"/>
+        <c:crossAx val="-1169982048"/>
         <c:crosses val="autoZero"/>
         <c:crossBetween val="between"/>
       </c:valAx>
@@ -1451,7 +1446,6 @@
     </c:plotArea>
     <c:legend>
       <c:legendPos val="b"/>
-      <c:layout/>
       <c:overlay val="0"/>
       <c:spPr>
         <a:noFill/>
@@ -1474,7 +1468,7 @@
               <a:cs typeface="+mn-cs"/>
             </a:defRPr>
           </a:pPr>
-          <a:endParaRPr lang="zh-TW"/>
+          <a:endParaRPr lang="zh-CN"/>
         </a:p>
       </c:txPr>
     </c:legend>
@@ -1500,7 +1494,7 @@
           </a:solidFill>
         </a:defRPr>
       </a:pPr>
-      <a:endParaRPr lang="zh-TW"/>
+      <a:endParaRPr lang="zh-CN"/>
     </a:p>
   </c:txPr>
   <c:externalData r:id="rId3">
@@ -1510,9 +1504,9 @@
 </file>
 
 <file path=ppt/charts/chart4.xml><?xml version="1.0" encoding="utf-8"?>
-<c:chartSpace xmlns:c="http://schemas.openxmlformats.org/drawingml/2006/chart" xmlns:a="http://schemas.openxmlformats.org/drawingml/2006/main" xmlns:r="http://schemas.openxmlformats.org/officeDocument/2006/relationships" xmlns:c16r2="http://schemas.microsoft.com/office/drawing/2015/06/chart">
+<c:chartSpace xmlns:c="http://schemas.openxmlformats.org/drawingml/2006/chart" xmlns:a="http://schemas.openxmlformats.org/drawingml/2006/main" xmlns:r="http://schemas.openxmlformats.org/officeDocument/2006/relationships">
   <c:date1904 val="0"/>
-  <c:lang val="zh-TW"/>
+  <c:lang val="zh-CN"/>
   <c:roundedCorners val="0"/>
   <mc:AlternateContent xmlns:mc="http://schemas.openxmlformats.org/markup-compatibility/2006">
     <mc:Choice xmlns:c14="http://schemas.microsoft.com/office/drawing/2007/8/2/chart" Requires="c14">
@@ -1524,7 +1518,6 @@
   </mc:AlternateContent>
   <c:chart>
     <c:title>
-      <c:layout/>
       <c:overlay val="0"/>
       <c:spPr>
         <a:noFill/>
@@ -1550,7 +1543,7 @@
               <a:cs typeface="+mn-cs"/>
             </a:defRPr>
           </a:pPr>
-          <a:endParaRPr lang="zh-TW"/>
+          <a:endParaRPr lang="zh-CN"/>
         </a:p>
       </c:txPr>
     </c:title>
@@ -1630,7 +1623,7 @@
               </c:numCache>
             </c:numRef>
           </c:val>
-          <c:extLst>
+          <c:extLst xmlns:c16r2="http://schemas.microsoft.com/office/drawing/2015/06/chart">
             <c:ext xmlns:c16="http://schemas.microsoft.com/office/drawing/2014/chart" uri="{C3380CC4-5D6E-409C-BE32-E72D297353CC}">
               <c16:uniqueId val="{00000000-1E5F-4179-8772-970DD4381154}"/>
             </c:ext>
@@ -1706,7 +1699,7 @@
               </c:numCache>
             </c:numRef>
           </c:val>
-          <c:extLst>
+          <c:extLst xmlns:c16r2="http://schemas.microsoft.com/office/drawing/2015/06/chart">
             <c:ext xmlns:c16="http://schemas.microsoft.com/office/drawing/2014/chart" uri="{C3380CC4-5D6E-409C-BE32-E72D297353CC}">
               <c16:uniqueId val="{00000001-1E5F-4179-8772-970DD4381154}"/>
             </c:ext>
@@ -1720,11 +1713,11 @@
           <c:showPercent val="0"/>
           <c:showBubbleSize val="0"/>
         </c:dLbls>
-        <c:axId val="-267084912"/>
-        <c:axId val="-266832112"/>
+        <c:axId val="-1169978240"/>
+        <c:axId val="-1169974976"/>
       </c:areaChart>
       <c:catAx>
-        <c:axId val="-267084912"/>
+        <c:axId val="-1169978240"/>
         <c:scaling>
           <c:orientation val="minMax"/>
         </c:scaling>
@@ -1764,10 +1757,10 @@
                 <a:cs typeface="+mn-cs"/>
               </a:defRPr>
             </a:pPr>
-            <a:endParaRPr lang="zh-TW"/>
+            <a:endParaRPr lang="zh-CN"/>
           </a:p>
         </c:txPr>
-        <c:crossAx val="-266832112"/>
+        <c:crossAx val="-1169974976"/>
         <c:crosses val="autoZero"/>
         <c:auto val="1"/>
         <c:lblAlgn val="ctr"/>
@@ -1775,7 +1768,7 @@
         <c:noMultiLvlLbl val="0"/>
       </c:catAx>
       <c:valAx>
-        <c:axId val="-266832112"/>
+        <c:axId val="-1169974976"/>
         <c:scaling>
           <c:orientation val="minMax"/>
         </c:scaling>
@@ -1823,10 +1816,10 @@
                 <a:cs typeface="+mn-cs"/>
               </a:defRPr>
             </a:pPr>
-            <a:endParaRPr lang="zh-TW"/>
+            <a:endParaRPr lang="zh-CN"/>
           </a:p>
         </c:txPr>
-        <c:crossAx val="-267084912"/>
+        <c:crossAx val="-1169978240"/>
         <c:crosses val="autoZero"/>
         <c:crossBetween val="midCat"/>
       </c:valAx>
@@ -1840,7 +1833,6 @@
     </c:plotArea>
     <c:legend>
       <c:legendPos val="b"/>
-      <c:layout/>
       <c:overlay val="0"/>
       <c:spPr>
         <a:noFill/>
@@ -1866,7 +1858,7 @@
               <a:cs typeface="+mn-cs"/>
             </a:defRPr>
           </a:pPr>
-          <a:endParaRPr lang="zh-TW"/>
+          <a:endParaRPr lang="zh-CN"/>
         </a:p>
       </c:txPr>
     </c:legend>
@@ -1888,7 +1880,7 @@
       <a:pPr>
         <a:defRPr/>
       </a:pPr>
-      <a:endParaRPr lang="zh-TW"/>
+      <a:endParaRPr lang="zh-CN"/>
     </a:p>
   </c:txPr>
   <c:externalData r:id="rId3">
@@ -1898,9 +1890,9 @@
 </file>
 
 <file path=ppt/charts/chart5.xml><?xml version="1.0" encoding="utf-8"?>
-<c:chartSpace xmlns:c="http://schemas.openxmlformats.org/drawingml/2006/chart" xmlns:a="http://schemas.openxmlformats.org/drawingml/2006/main" xmlns:r="http://schemas.openxmlformats.org/officeDocument/2006/relationships" xmlns:c16r2="http://schemas.microsoft.com/office/drawing/2015/06/chart">
+<c:chartSpace xmlns:c="http://schemas.openxmlformats.org/drawingml/2006/chart" xmlns:a="http://schemas.openxmlformats.org/drawingml/2006/main" xmlns:r="http://schemas.openxmlformats.org/officeDocument/2006/relationships">
   <c:date1904 val="0"/>
-  <c:lang val="zh-TW"/>
+  <c:lang val="zh-CN"/>
   <c:roundedCorners val="0"/>
   <mc:AlternateContent xmlns:mc="http://schemas.openxmlformats.org/markup-compatibility/2006">
     <mc:Choice xmlns:c14="http://schemas.microsoft.com/office/drawing/2007/8/2/chart" Requires="c14">
@@ -1912,7 +1904,6 @@
   </mc:AlternateContent>
   <c:chart>
     <c:title>
-      <c:layout/>
       <c:overlay val="0"/>
       <c:spPr>
         <a:noFill/>
@@ -1938,7 +1929,7 @@
               <a:cs typeface="+mn-cs"/>
             </a:defRPr>
           </a:pPr>
-          <a:endParaRPr lang="zh-TW"/>
+          <a:endParaRPr lang="zh-CN"/>
         </a:p>
       </c:txPr>
     </c:title>
@@ -2018,7 +2009,7 @@
               </c:numCache>
             </c:numRef>
           </c:val>
-          <c:extLst>
+          <c:extLst xmlns:c16r2="http://schemas.microsoft.com/office/drawing/2015/06/chart">
             <c:ext xmlns:c16="http://schemas.microsoft.com/office/drawing/2014/chart" uri="{C3380CC4-5D6E-409C-BE32-E72D297353CC}">
               <c16:uniqueId val="{00000000-BB60-4AB2-A333-315827508689}"/>
             </c:ext>
@@ -2094,7 +2085,7 @@
               </c:numCache>
             </c:numRef>
           </c:val>
-          <c:extLst>
+          <c:extLst xmlns:c16r2="http://schemas.microsoft.com/office/drawing/2015/06/chart">
             <c:ext xmlns:c16="http://schemas.microsoft.com/office/drawing/2014/chart" uri="{C3380CC4-5D6E-409C-BE32-E72D297353CC}">
               <c16:uniqueId val="{00000001-BB60-4AB2-A333-315827508689}"/>
             </c:ext>
@@ -2108,11 +2099,11 @@
           <c:showPercent val="0"/>
           <c:showBubbleSize val="0"/>
         </c:dLbls>
-        <c:axId val="-2037400576"/>
-        <c:axId val="-2037404384"/>
+        <c:axId val="-1169984768"/>
+        <c:axId val="-1169977152"/>
       </c:areaChart>
       <c:catAx>
-        <c:axId val="-2037400576"/>
+        <c:axId val="-1169984768"/>
         <c:scaling>
           <c:orientation val="minMax"/>
         </c:scaling>
@@ -2152,10 +2143,10 @@
                 <a:cs typeface="+mn-cs"/>
               </a:defRPr>
             </a:pPr>
-            <a:endParaRPr lang="zh-TW"/>
+            <a:endParaRPr lang="zh-CN"/>
           </a:p>
         </c:txPr>
-        <c:crossAx val="-2037404384"/>
+        <c:crossAx val="-1169977152"/>
         <c:crosses val="autoZero"/>
         <c:auto val="1"/>
         <c:lblAlgn val="ctr"/>
@@ -2163,7 +2154,7 @@
         <c:noMultiLvlLbl val="0"/>
       </c:catAx>
       <c:valAx>
-        <c:axId val="-2037404384"/>
+        <c:axId val="-1169977152"/>
         <c:scaling>
           <c:orientation val="minMax"/>
         </c:scaling>
@@ -2211,10 +2202,10 @@
                 <a:cs typeface="+mn-cs"/>
               </a:defRPr>
             </a:pPr>
-            <a:endParaRPr lang="zh-TW"/>
+            <a:endParaRPr lang="zh-CN"/>
           </a:p>
         </c:txPr>
-        <c:crossAx val="-2037400576"/>
+        <c:crossAx val="-1169984768"/>
         <c:crosses val="autoZero"/>
         <c:crossBetween val="midCat"/>
       </c:valAx>
@@ -2228,7 +2219,6 @@
     </c:plotArea>
     <c:legend>
       <c:legendPos val="b"/>
-      <c:layout/>
       <c:overlay val="0"/>
       <c:spPr>
         <a:noFill/>
@@ -2254,7 +2244,7 @@
               <a:cs typeface="+mn-cs"/>
             </a:defRPr>
           </a:pPr>
-          <a:endParaRPr lang="zh-TW"/>
+          <a:endParaRPr lang="zh-CN"/>
         </a:p>
       </c:txPr>
     </c:legend>
@@ -2276,7 +2266,7 @@
       <a:pPr>
         <a:defRPr/>
       </a:pPr>
-      <a:endParaRPr lang="zh-TW"/>
+      <a:endParaRPr lang="zh-CN"/>
     </a:p>
   </c:txPr>
   <c:externalData r:id="rId3">
@@ -2286,9 +2276,9 @@
 </file>
 
 <file path=ppt/charts/chart6.xml><?xml version="1.0" encoding="utf-8"?>
-<c:chartSpace xmlns:c="http://schemas.openxmlformats.org/drawingml/2006/chart" xmlns:a="http://schemas.openxmlformats.org/drawingml/2006/main" xmlns:r="http://schemas.openxmlformats.org/officeDocument/2006/relationships" xmlns:c16r2="http://schemas.microsoft.com/office/drawing/2015/06/chart">
+<c:chartSpace xmlns:c="http://schemas.openxmlformats.org/drawingml/2006/chart" xmlns:a="http://schemas.openxmlformats.org/drawingml/2006/main" xmlns:r="http://schemas.openxmlformats.org/officeDocument/2006/relationships">
   <c:date1904 val="0"/>
-  <c:lang val="zh-TW"/>
+  <c:lang val="zh-CN"/>
   <c:roundedCorners val="0"/>
   <mc:AlternateContent xmlns:mc="http://schemas.openxmlformats.org/markup-compatibility/2006">
     <mc:Choice xmlns:c14="http://schemas.microsoft.com/office/drawing/2007/8/2/chart" Requires="c14">
@@ -2300,7 +2290,6 @@
   </mc:AlternateContent>
   <c:chart>
     <c:title>
-      <c:layout/>
       <c:overlay val="0"/>
       <c:spPr>
         <a:noFill/>
@@ -2326,7 +2315,7 @@
               <a:cs typeface="+mn-cs"/>
             </a:defRPr>
           </a:pPr>
-          <a:endParaRPr lang="zh-TW"/>
+          <a:endParaRPr lang="zh-CN"/>
         </a:p>
       </c:txPr>
     </c:title>
@@ -2421,7 +2410,7 @@
             </c:numRef>
           </c:yVal>
           <c:smooth val="0"/>
-          <c:extLst>
+          <c:extLst xmlns:c16r2="http://schemas.microsoft.com/office/drawing/2015/06/chart">
             <c:ext xmlns:c16="http://schemas.microsoft.com/office/drawing/2014/chart" uri="{C3380CC4-5D6E-409C-BE32-E72D297353CC}">
               <c16:uniqueId val="{00000000-98BD-45B4-82EA-F3A5DAFE63CC}"/>
             </c:ext>
@@ -2435,11 +2424,11 @@
           <c:showPercent val="0"/>
           <c:showBubbleSize val="0"/>
         </c:dLbls>
-        <c:axId val="-2038597856"/>
-        <c:axId val="-2038598400"/>
+        <c:axId val="-1169988032"/>
+        <c:axId val="-1169987488"/>
       </c:scatterChart>
       <c:valAx>
-        <c:axId val="-2038597856"/>
+        <c:axId val="-1169988032"/>
         <c:scaling>
           <c:orientation val="minMax"/>
         </c:scaling>
@@ -2493,15 +2482,15 @@
                 <a:cs typeface="+mn-cs"/>
               </a:defRPr>
             </a:pPr>
-            <a:endParaRPr lang="zh-TW"/>
+            <a:endParaRPr lang="zh-CN"/>
           </a:p>
         </c:txPr>
-        <c:crossAx val="-2038598400"/>
+        <c:crossAx val="-1169987488"/>
         <c:crosses val="autoZero"/>
         <c:crossBetween val="midCat"/>
       </c:valAx>
       <c:valAx>
-        <c:axId val="-2038598400"/>
+        <c:axId val="-1169987488"/>
         <c:scaling>
           <c:orientation val="minMax"/>
         </c:scaling>
@@ -2555,10 +2544,10 @@
                 <a:cs typeface="+mn-cs"/>
               </a:defRPr>
             </a:pPr>
-            <a:endParaRPr lang="zh-TW"/>
+            <a:endParaRPr lang="zh-CN"/>
           </a:p>
         </c:txPr>
-        <c:crossAx val="-2038597856"/>
+        <c:crossAx val="-1169988032"/>
         <c:crosses val="autoZero"/>
         <c:crossBetween val="midCat"/>
       </c:valAx>
@@ -2588,7 +2577,7 @@
       <a:pPr>
         <a:defRPr/>
       </a:pPr>
-      <a:endParaRPr lang="zh-TW"/>
+      <a:endParaRPr lang="zh-CN"/>
     </a:p>
   </c:txPr>
   <c:externalData r:id="rId3">
@@ -2598,9 +2587,9 @@
 </file>
 
 <file path=ppt/charts/chart7.xml><?xml version="1.0" encoding="utf-8"?>
-<c:chartSpace xmlns:c="http://schemas.openxmlformats.org/drawingml/2006/chart" xmlns:a="http://schemas.openxmlformats.org/drawingml/2006/main" xmlns:r="http://schemas.openxmlformats.org/officeDocument/2006/relationships" xmlns:c16r2="http://schemas.microsoft.com/office/drawing/2015/06/chart">
+<c:chartSpace xmlns:c="http://schemas.openxmlformats.org/drawingml/2006/chart" xmlns:a="http://schemas.openxmlformats.org/drawingml/2006/main" xmlns:r="http://schemas.openxmlformats.org/officeDocument/2006/relationships">
   <c:date1904 val="0"/>
-  <c:lang val="zh-TW"/>
+  <c:lang val="zh-CN"/>
   <c:roundedCorners val="0"/>
   <mc:AlternateContent xmlns:mc="http://schemas.openxmlformats.org/markup-compatibility/2006">
     <mc:Choice xmlns:c14="http://schemas.microsoft.com/office/drawing/2007/8/2/chart" Requires="c14">
@@ -2612,7 +2601,6 @@
   </mc:AlternateContent>
   <c:chart>
     <c:title>
-      <c:layout/>
       <c:overlay val="0"/>
       <c:spPr>
         <a:noFill/>
@@ -2635,7 +2623,7 @@
               <a:cs typeface="+mn-cs"/>
             </a:defRPr>
           </a:pPr>
-          <a:endParaRPr lang="zh-TW"/>
+          <a:endParaRPr lang="zh-CN"/>
         </a:p>
       </c:txPr>
     </c:title>
@@ -2672,7 +2660,7 @@
               </a:ln>
               <a:effectLst/>
             </c:spPr>
-            <c:extLst>
+            <c:extLst xmlns:c16r2="http://schemas.microsoft.com/office/drawing/2015/06/chart">
               <c:ext xmlns:c16="http://schemas.microsoft.com/office/drawing/2014/chart" uri="{C3380CC4-5D6E-409C-BE32-E72D297353CC}">
                 <c16:uniqueId val="{00000001-6E8D-4B9C-954D-3A7CECD841D3}"/>
               </c:ext>
@@ -2692,7 +2680,7 @@
               </a:ln>
               <a:effectLst/>
             </c:spPr>
-            <c:extLst>
+            <c:extLst xmlns:c16r2="http://schemas.microsoft.com/office/drawing/2015/06/chart">
               <c:ext xmlns:c16="http://schemas.microsoft.com/office/drawing/2014/chart" uri="{C3380CC4-5D6E-409C-BE32-E72D297353CC}">
                 <c16:uniqueId val="{00000003-6E8D-4B9C-954D-3A7CECD841D3}"/>
               </c:ext>
@@ -2712,7 +2700,7 @@
               </a:ln>
               <a:effectLst/>
             </c:spPr>
-            <c:extLst>
+            <c:extLst xmlns:c16r2="http://schemas.microsoft.com/office/drawing/2015/06/chart">
               <c:ext xmlns:c16="http://schemas.microsoft.com/office/drawing/2014/chart" uri="{C3380CC4-5D6E-409C-BE32-E72D297353CC}">
                 <c16:uniqueId val="{00000005-6E8D-4B9C-954D-3A7CECD841D3}"/>
               </c:ext>
@@ -2732,7 +2720,7 @@
               </a:ln>
               <a:effectLst/>
             </c:spPr>
-            <c:extLst>
+            <c:extLst xmlns:c16r2="http://schemas.microsoft.com/office/drawing/2015/06/chart">
               <c:ext xmlns:c16="http://schemas.microsoft.com/office/drawing/2014/chart" uri="{C3380CC4-5D6E-409C-BE32-E72D297353CC}">
                 <c16:uniqueId val="{00000007-6E8D-4B9C-954D-3A7CECD841D3}"/>
               </c:ext>
@@ -2769,7 +2757,7 @@
                     <a:cs typeface="+mn-cs"/>
                   </a:defRPr>
                 </a:pPr>
-                <a:endParaRPr lang="zh-TW"/>
+                <a:endParaRPr lang="zh-CN"/>
               </a:p>
             </c:txPr>
             <c:dLblPos val="outEnd"/>
@@ -2780,7 +2768,7 @@
             <c:showPercent val="1"/>
             <c:showBubbleSize val="0"/>
             <c:showLeaderLines val="0"/>
-            <c:extLst>
+            <c:extLst xmlns:c16r2="http://schemas.microsoft.com/office/drawing/2015/06/chart">
               <c:ext xmlns:c15="http://schemas.microsoft.com/office/drawing/2012/chart" uri="{CE6537A1-D6FC-4f65-9D91-7224C49458BB}">
                 <c15:spPr xmlns:c15="http://schemas.microsoft.com/office/drawing/2012/chart">
                   <a:prstGeom prst="wedgeRectCallout">
@@ -2791,7 +2779,6 @@
                     <a:noFill/>
                   </a:ln>
                 </c15:spPr>
-                <c15:layout/>
               </c:ext>
             </c:extLst>
           </c:dLbls>
@@ -2836,7 +2823,7 @@
               </c:numCache>
             </c:numRef>
           </c:val>
-          <c:extLst>
+          <c:extLst xmlns:c16r2="http://schemas.microsoft.com/office/drawing/2015/06/chart">
             <c:ext xmlns:c16="http://schemas.microsoft.com/office/drawing/2014/chart" uri="{C3380CC4-5D6E-409C-BE32-E72D297353CC}">
               <c16:uniqueId val="{00000008-6E8D-4B9C-954D-3A7CECD841D3}"/>
             </c:ext>
@@ -2863,7 +2850,6 @@
     </c:plotArea>
     <c:legend>
       <c:legendPos val="b"/>
-      <c:layout/>
       <c:overlay val="0"/>
       <c:spPr>
         <a:noFill/>
@@ -2886,7 +2872,7 @@
               <a:cs typeface="+mn-cs"/>
             </a:defRPr>
           </a:pPr>
-          <a:endParaRPr lang="zh-TW"/>
+          <a:endParaRPr lang="zh-CN"/>
         </a:p>
       </c:txPr>
     </c:legend>
@@ -2912,7 +2898,7 @@
           </a:solidFill>
         </a:defRPr>
       </a:pPr>
-      <a:endParaRPr lang="zh-TW"/>
+      <a:endParaRPr lang="zh-CN"/>
     </a:p>
   </c:txPr>
   <c:externalData r:id="rId3">
@@ -2922,9 +2908,9 @@
 </file>
 
 <file path=ppt/charts/chart8.xml><?xml version="1.0" encoding="utf-8"?>
-<c:chartSpace xmlns:c="http://schemas.openxmlformats.org/drawingml/2006/chart" xmlns:a="http://schemas.openxmlformats.org/drawingml/2006/main" xmlns:r="http://schemas.openxmlformats.org/officeDocument/2006/relationships" xmlns:c16r2="http://schemas.microsoft.com/office/drawing/2015/06/chart">
+<c:chartSpace xmlns:c="http://schemas.openxmlformats.org/drawingml/2006/chart" xmlns:a="http://schemas.openxmlformats.org/drawingml/2006/main" xmlns:r="http://schemas.openxmlformats.org/officeDocument/2006/relationships">
   <c:date1904 val="0"/>
-  <c:lang val="zh-TW"/>
+  <c:lang val="zh-CN"/>
   <c:roundedCorners val="0"/>
   <mc:AlternateContent xmlns:mc="http://schemas.openxmlformats.org/markup-compatibility/2006">
     <mc:Choice xmlns:c14="http://schemas.microsoft.com/office/drawing/2007/8/2/chart" Requires="c14">
@@ -2936,7 +2922,6 @@
   </mc:AlternateContent>
   <c:chart>
     <c:title>
-      <c:layout/>
       <c:overlay val="0"/>
       <c:spPr>
         <a:noFill/>
@@ -2959,7 +2944,7 @@
               <a:cs typeface="+mn-cs"/>
             </a:defRPr>
           </a:pPr>
-          <a:endParaRPr lang="zh-TW"/>
+          <a:endParaRPr lang="zh-CN"/>
         </a:p>
       </c:txPr>
     </c:title>
@@ -3040,7 +3025,7 @@
                 </a:contourClr>
               </a:sp3d>
             </c:spPr>
-            <c:extLst>
+            <c:extLst xmlns:c16r2="http://schemas.microsoft.com/office/drawing/2015/06/chart">
               <c:ext xmlns:c16="http://schemas.microsoft.com/office/drawing/2014/chart" uri="{C3380CC4-5D6E-409C-BE32-E72D297353CC}">
                 <c16:uniqueId val="{00000001-5692-410B-87CF-9B374191BE2B}"/>
               </c:ext>
@@ -3065,7 +3050,7 @@
                 </a:contourClr>
               </a:sp3d>
             </c:spPr>
-            <c:extLst>
+            <c:extLst xmlns:c16r2="http://schemas.microsoft.com/office/drawing/2015/06/chart">
               <c:ext xmlns:c16="http://schemas.microsoft.com/office/drawing/2014/chart" uri="{C3380CC4-5D6E-409C-BE32-E72D297353CC}">
                 <c16:uniqueId val="{00000003-5692-410B-87CF-9B374191BE2B}"/>
               </c:ext>
@@ -3090,7 +3075,7 @@
                 </a:contourClr>
               </a:sp3d>
             </c:spPr>
-            <c:extLst>
+            <c:extLst xmlns:c16r2="http://schemas.microsoft.com/office/drawing/2015/06/chart">
               <c:ext xmlns:c16="http://schemas.microsoft.com/office/drawing/2014/chart" uri="{C3380CC4-5D6E-409C-BE32-E72D297353CC}">
                 <c16:uniqueId val="{00000005-5692-410B-87CF-9B374191BE2B}"/>
               </c:ext>
@@ -3115,7 +3100,7 @@
                 </a:contourClr>
               </a:sp3d>
             </c:spPr>
-            <c:extLst>
+            <c:extLst xmlns:c16r2="http://schemas.microsoft.com/office/drawing/2015/06/chart">
               <c:ext xmlns:c16="http://schemas.microsoft.com/office/drawing/2014/chart" uri="{C3380CC4-5D6E-409C-BE32-E72D297353CC}">
                 <c16:uniqueId val="{00000007-5692-410B-87CF-9B374191BE2B}"/>
               </c:ext>
@@ -3143,7 +3128,7 @@
                     <a:cs typeface="+mn-cs"/>
                   </a:defRPr>
                 </a:pPr>
-                <a:endParaRPr lang="zh-TW"/>
+                <a:endParaRPr lang="zh-CN"/>
               </a:p>
             </c:txPr>
             <c:dLblPos val="ctr"/>
@@ -3168,10 +3153,8 @@
                 <a:effectLst/>
               </c:spPr>
             </c:leaderLines>
-            <c:extLst>
-              <c:ext xmlns:c15="http://schemas.microsoft.com/office/drawing/2012/chart" uri="{CE6537A1-D6FC-4f65-9D91-7224C49458BB}">
-                <c15:layout/>
-              </c:ext>
+            <c:extLst xmlns:c16r2="http://schemas.microsoft.com/office/drawing/2015/06/chart">
+              <c:ext xmlns:c15="http://schemas.microsoft.com/office/drawing/2012/chart" uri="{CE6537A1-D6FC-4f65-9D91-7224C49458BB}"/>
             </c:extLst>
           </c:dLbls>
           <c:cat>
@@ -3215,7 +3198,7 @@
               </c:numCache>
             </c:numRef>
           </c:val>
-          <c:extLst>
+          <c:extLst xmlns:c16r2="http://schemas.microsoft.com/office/drawing/2015/06/chart">
             <c:ext xmlns:c16="http://schemas.microsoft.com/office/drawing/2014/chart" uri="{C3380CC4-5D6E-409C-BE32-E72D297353CC}">
               <c16:uniqueId val="{00000008-5692-410B-87CF-9B374191BE2B}"/>
             </c:ext>
@@ -3241,7 +3224,6 @@
     </c:plotArea>
     <c:legend>
       <c:legendPos val="b"/>
-      <c:layout/>
       <c:overlay val="0"/>
       <c:spPr>
         <a:noFill/>
@@ -3264,7 +3246,7 @@
               <a:cs typeface="+mn-cs"/>
             </a:defRPr>
           </a:pPr>
-          <a:endParaRPr lang="zh-TW"/>
+          <a:endParaRPr lang="zh-CN"/>
         </a:p>
       </c:txPr>
     </c:legend>
@@ -3290,7 +3272,7 @@
           </a:solidFill>
         </a:defRPr>
       </a:pPr>
-      <a:endParaRPr lang="zh-TW"/>
+      <a:endParaRPr lang="zh-CN"/>
     </a:p>
   </c:txPr>
   <c:externalData r:id="rId3">
@@ -7808,7 +7790,7 @@
           <a:p>
             <a:fld id="{F80196F6-7584-4650-82DD-1A823E372E93}" type="datetimeFigureOut">
               <a:rPr lang="zh-TW" altLang="en-US" smtClean="0"/>
-              <a:t>2016/12/3</a:t>
+              <a:t>2022/11/12</a:t>
             </a:fld>
             <a:endParaRPr lang="zh-TW" altLang="en-US"/>
           </a:p>
@@ -8291,7 +8273,7 @@
           <a:p>
             <a:fld id="{E7A87A2D-0523-400E-8364-8FCFDAAEE150}" type="datetime1">
               <a:rPr lang="zh-TW" altLang="en-US" smtClean="0"/>
-              <a:t>2016/12/3</a:t>
+              <a:t>2022/11/12</a:t>
             </a:fld>
             <a:endParaRPr lang="zh-TW" altLang="en-US"/>
           </a:p>
@@ -8461,7 +8443,7 @@
           <a:p>
             <a:fld id="{4470E85D-BD6F-4D26-B110-7E28230C593F}" type="datetime1">
               <a:rPr lang="zh-TW" altLang="en-US" smtClean="0"/>
-              <a:t>2016/12/3</a:t>
+              <a:t>2022/11/12</a:t>
             </a:fld>
             <a:endParaRPr lang="zh-TW" altLang="en-US"/>
           </a:p>
@@ -8641,7 +8623,7 @@
           <a:p>
             <a:fld id="{D6E993F5-55DB-4F1A-9A97-9192FB5AEB42}" type="datetime1">
               <a:rPr lang="zh-TW" altLang="en-US" smtClean="0"/>
-              <a:t>2016/12/3</a:t>
+              <a:t>2022/11/12</a:t>
             </a:fld>
             <a:endParaRPr lang="zh-TW" altLang="en-US"/>
           </a:p>
@@ -8811,7 +8793,7 @@
           <a:p>
             <a:fld id="{C60B81E8-7334-464F-8B48-45CA70843E0C}" type="datetime1">
               <a:rPr lang="zh-TW" altLang="en-US" smtClean="0"/>
-              <a:t>2016/12/3</a:t>
+              <a:t>2022/11/12</a:t>
             </a:fld>
             <a:endParaRPr lang="zh-TW" altLang="en-US"/>
           </a:p>
@@ -9055,7 +9037,7 @@
           <a:p>
             <a:fld id="{D47ED321-95FB-497B-BD7E-3BD909DE64AD}" type="datetime1">
               <a:rPr lang="zh-TW" altLang="en-US" smtClean="0"/>
-              <a:t>2016/12/3</a:t>
+              <a:t>2022/11/12</a:t>
             </a:fld>
             <a:endParaRPr lang="zh-TW" altLang="en-US"/>
           </a:p>
@@ -9287,7 +9269,7 @@
           <a:p>
             <a:fld id="{497E4E27-12DC-43A4-A531-93F92B4B5AEB}" type="datetime1">
               <a:rPr lang="zh-TW" altLang="en-US" smtClean="0"/>
-              <a:t>2016/12/3</a:t>
+              <a:t>2022/11/12</a:t>
             </a:fld>
             <a:endParaRPr lang="zh-TW" altLang="en-US"/>
           </a:p>
@@ -9654,7 +9636,7 @@
           <a:p>
             <a:fld id="{C11F5D98-A40D-4F6A-B778-B48D2F7EC464}" type="datetime1">
               <a:rPr lang="zh-TW" altLang="en-US" smtClean="0"/>
-              <a:t>2016/12/3</a:t>
+              <a:t>2022/11/12</a:t>
             </a:fld>
             <a:endParaRPr lang="zh-TW" altLang="en-US"/>
           </a:p>
@@ -9772,7 +9754,7 @@
           <a:p>
             <a:fld id="{37540F8D-04B0-4510-8208-7A8AB7D75261}" type="datetime1">
               <a:rPr lang="zh-TW" altLang="en-US" smtClean="0"/>
-              <a:t>2016/12/3</a:t>
+              <a:t>2022/11/12</a:t>
             </a:fld>
             <a:endParaRPr lang="zh-TW" altLang="en-US"/>
           </a:p>
@@ -9867,7 +9849,7 @@
           <a:p>
             <a:fld id="{ED8E83AE-CBBB-4AB3-9A7C-32D18F7AB593}" type="datetime1">
               <a:rPr lang="zh-TW" altLang="en-US" smtClean="0"/>
-              <a:t>2016/12/3</a:t>
+              <a:t>2022/11/12</a:t>
             </a:fld>
             <a:endParaRPr lang="zh-TW" altLang="en-US"/>
           </a:p>
@@ -10144,7 +10126,7 @@
           <a:p>
             <a:fld id="{CF1BA43A-76D7-43A7-8042-3520281B1840}" type="datetime1">
               <a:rPr lang="zh-TW" altLang="en-US" smtClean="0"/>
-              <a:t>2016/12/3</a:t>
+              <a:t>2022/11/12</a:t>
             </a:fld>
             <a:endParaRPr lang="zh-TW" altLang="en-US"/>
           </a:p>
@@ -10401,7 +10383,7 @@
           <a:p>
             <a:fld id="{BB28C0ED-AAF8-4DB2-AF56-EE0DC21174BB}" type="datetime1">
               <a:rPr lang="zh-TW" altLang="en-US" smtClean="0"/>
-              <a:t>2016/12/3</a:t>
+              <a:t>2022/11/12</a:t>
             </a:fld>
             <a:endParaRPr lang="zh-TW" altLang="en-US"/>
           </a:p>
@@ -10614,7 +10596,7 @@
           <a:p>
             <a:fld id="{991B9CC3-7329-43C8-BC56-DBF8F15634F0}" type="datetime1">
               <a:rPr lang="zh-TW" altLang="en-US" smtClean="0"/>
-              <a:t>2016/12/3</a:t>
+              <a:t>2022/11/12</a:t>
             </a:fld>
             <a:endParaRPr lang="zh-TW" altLang="en-US"/>
           </a:p>
@@ -11036,10 +11018,18 @@
           <a:lstStyle/>
           <a:p>
             <a:r>
-              <a:rPr lang="zh-TW" altLang="en-US" dirty="0" smtClean="0"/>
+              <a:rPr lang="zh-TW" altLang="en-US" dirty="0" smtClean="0">
+                <a:solidFill>
+                  <a:srgbClr val="FF0000"/>
+                </a:solidFill>
+              </a:rPr>
               <a:t>我是標題</a:t>
             </a:r>
-            <a:endParaRPr lang="zh-TW" altLang="en-US" dirty="0"/>
+            <a:endParaRPr lang="zh-TW" altLang="en-US" dirty="0">
+              <a:solidFill>
+                <a:srgbClr val="FF0000"/>
+              </a:solidFill>
+            </a:endParaRPr>
           </a:p>
         </p:txBody>
       </p:sp>
@@ -11083,7 +11073,7 @@
           <a:p>
             <a:fld id="{E49FC7B0-3E75-4441-B63F-4CC3A5531728}" type="datetime1">
               <a:rPr lang="zh-TW" altLang="en-US" smtClean="0"/>
-              <a:t>2016/12/3</a:t>
+              <a:t>2022/11/12</a:t>
             </a:fld>
             <a:endParaRPr lang="zh-TW" altLang="en-US"/>
           </a:p>
@@ -11345,7 +11335,7 @@
           <a:p>
             <a:fld id="{C60B81E8-7334-464F-8B48-45CA70843E0C}" type="datetime1">
               <a:rPr lang="zh-TW" altLang="en-US" smtClean="0"/>
-              <a:t>2016/12/3</a:t>
+              <a:t>2022/11/12</a:t>
             </a:fld>
             <a:endParaRPr lang="zh-TW" altLang="en-US"/>
           </a:p>
@@ -11485,7 +11475,7 @@
           <a:p>
             <a:fld id="{C11F5D98-A40D-4F6A-B778-B48D2F7EC464}" type="datetime1">
               <a:rPr lang="zh-TW" altLang="en-US" smtClean="0"/>
-              <a:t>2016/12/3</a:t>
+              <a:t>2022/11/12</a:t>
             </a:fld>
             <a:endParaRPr lang="zh-TW" altLang="en-US"/>
           </a:p>
@@ -11625,7 +11615,7 @@
           <a:p>
             <a:fld id="{C60B81E8-7334-464F-8B48-45CA70843E0C}" type="datetime1">
               <a:rPr lang="zh-TW" altLang="en-US" smtClean="0"/>
-              <a:t>2016/12/3</a:t>
+              <a:t>2022/11/12</a:t>
             </a:fld>
             <a:endParaRPr lang="zh-TW" altLang="en-US"/>
           </a:p>
@@ -11765,7 +11755,7 @@
           <a:p>
             <a:fld id="{C60B81E8-7334-464F-8B48-45CA70843E0C}" type="datetime1">
               <a:rPr lang="zh-TW" altLang="en-US" smtClean="0"/>
-              <a:t>2016/12/3</a:t>
+              <a:t>2022/11/12</a:t>
             </a:fld>
             <a:endParaRPr lang="zh-TW" altLang="en-US"/>
           </a:p>
@@ -11914,7 +11904,7 @@
           <a:p>
             <a:fld id="{C60B81E8-7334-464F-8B48-45CA70843E0C}" type="datetime1">
               <a:rPr lang="zh-TW" altLang="en-US" smtClean="0"/>
-              <a:t>2016/12/3</a:t>
+              <a:t>2022/11/12</a:t>
             </a:fld>
             <a:endParaRPr lang="zh-TW" altLang="en-US"/>
           </a:p>
@@ -12063,7 +12053,7 @@
           <a:p>
             <a:fld id="{C60B81E8-7334-464F-8B48-45CA70843E0C}" type="datetime1">
               <a:rPr lang="zh-TW" altLang="en-US" smtClean="0"/>
-              <a:t>2016/12/3</a:t>
+              <a:t>2022/11/12</a:t>
             </a:fld>
             <a:endParaRPr lang="zh-TW" altLang="en-US"/>
           </a:p>
@@ -12203,7 +12193,7 @@
           <a:p>
             <a:fld id="{C60B81E8-7334-464F-8B48-45CA70843E0C}" type="datetime1">
               <a:rPr lang="zh-TW" altLang="en-US" smtClean="0"/>
-              <a:t>2016/12/3</a:t>
+              <a:t>2022/11/12</a:t>
             </a:fld>
             <a:endParaRPr lang="zh-TW" altLang="en-US"/>
           </a:p>
@@ -12343,7 +12333,7 @@
           <a:p>
             <a:fld id="{C60B81E8-7334-464F-8B48-45CA70843E0C}" type="datetime1">
               <a:rPr lang="zh-TW" altLang="en-US" smtClean="0"/>
-              <a:t>2016/12/3</a:t>
+              <a:t>2022/11/12</a:t>
             </a:fld>
             <a:endParaRPr lang="zh-TW" altLang="en-US"/>
           </a:p>
@@ -12483,7 +12473,7 @@
           <a:p>
             <a:fld id="{C60B81E8-7334-464F-8B48-45CA70843E0C}" type="datetime1">
               <a:rPr lang="zh-TW" altLang="en-US" smtClean="0"/>
-              <a:t>2016/12/3</a:t>
+              <a:t>2022/11/12</a:t>
             </a:fld>
             <a:endParaRPr lang="zh-TW" altLang="en-US"/>
           </a:p>
@@ -12670,7 +12660,7 @@
           <a:p>
             <a:fld id="{C60B81E8-7334-464F-8B48-45CA70843E0C}" type="datetime1">
               <a:rPr lang="zh-TW" altLang="en-US" smtClean="0"/>
-              <a:t>2016/12/3</a:t>
+              <a:t>2022/11/12</a:t>
             </a:fld>
             <a:endParaRPr lang="zh-TW" altLang="en-US"/>
           </a:p>
@@ -12727,14 +12717,14 @@
                 <a:gridCol w="2631539">
                   <a:extLst>
                     <a:ext uri="{9D8B030D-6E8A-4147-A177-3AD203B41FA5}">
-                      <a16:colId xmlns:a16="http://schemas.microsoft.com/office/drawing/2014/main" val="1361311480"/>
+                      <a16:colId xmlns:a16="http://schemas.microsoft.com/office/drawing/2014/main" xmlns="" val="1361311480"/>
                     </a:ext>
                   </a:extLst>
                 </a:gridCol>
                 <a:gridCol w="1298623">
                   <a:extLst>
                     <a:ext uri="{9D8B030D-6E8A-4147-A177-3AD203B41FA5}">
-                      <a16:colId xmlns:a16="http://schemas.microsoft.com/office/drawing/2014/main" val="2631929079"/>
+                      <a16:colId xmlns:a16="http://schemas.microsoft.com/office/drawing/2014/main" xmlns="" val="2631929079"/>
                     </a:ext>
                   </a:extLst>
                 </a:gridCol>
@@ -12768,7 +12758,7 @@
                 </a:tc>
                 <a:extLst>
                   <a:ext uri="{0D108BD9-81ED-4DB2-BD59-A6C34878D82A}">
-                    <a16:rowId xmlns:a16="http://schemas.microsoft.com/office/drawing/2014/main" val="984733166"/>
+                    <a16:rowId xmlns:a16="http://schemas.microsoft.com/office/drawing/2014/main" xmlns="" val="984733166"/>
                   </a:ext>
                 </a:extLst>
               </a:tr>
@@ -12801,7 +12791,7 @@
                 </a:tc>
                 <a:extLst>
                   <a:ext uri="{0D108BD9-81ED-4DB2-BD59-A6C34878D82A}">
-                    <a16:rowId xmlns:a16="http://schemas.microsoft.com/office/drawing/2014/main" val="1467389557"/>
+                    <a16:rowId xmlns:a16="http://schemas.microsoft.com/office/drawing/2014/main" xmlns="" val="1467389557"/>
                   </a:ext>
                 </a:extLst>
               </a:tr>
@@ -12921,7 +12911,7 @@
           <a:p>
             <a:fld id="{7D259E43-2377-4BD5-9EF1-8A04A4F66F0C}" type="datetime1">
               <a:rPr lang="zh-TW" altLang="en-US" smtClean="0"/>
-              <a:t>2016/12/3</a:t>
+              <a:t>2022/11/12</a:t>
             </a:fld>
             <a:endParaRPr lang="zh-TW" altLang="en-US"/>
           </a:p>
@@ -13054,7 +13044,7 @@
           <a:p>
             <a:fld id="{C60B81E8-7334-464F-8B48-45CA70843E0C}" type="datetime1">
               <a:rPr lang="zh-TW" altLang="en-US" smtClean="0"/>
-              <a:t>2016/12/3</a:t>
+              <a:t>2022/11/12</a:t>
             </a:fld>
             <a:endParaRPr lang="zh-TW" altLang="en-US"/>
           </a:p>
@@ -13196,7 +13186,7 @@
           <a:p>
             <a:fld id="{3E86548D-D54C-4064-8B18-89FB2D942122}" type="datetime1">
               <a:rPr lang="zh-TW" altLang="en-US" smtClean="0"/>
-              <a:t>2016/12/3</a:t>
+              <a:t>2022/11/12</a:t>
             </a:fld>
             <a:endParaRPr lang="zh-TW" altLang="en-US"/>
           </a:p>
@@ -13338,7 +13328,7 @@
           <a:p>
             <a:fld id="{3E86548D-D54C-4064-8B18-89FB2D942122}" type="datetime1">
               <a:rPr lang="zh-TW" altLang="en-US" smtClean="0"/>
-              <a:t>2016/12/3</a:t>
+              <a:t>2022/11/12</a:t>
             </a:fld>
             <a:endParaRPr lang="zh-TW" altLang="en-US"/>
           </a:p>
@@ -13854,7 +13844,7 @@
           <a:p>
             <a:fld id="{94FA48B1-D508-49FA-BBA0-5047EEF68D44}" type="datetime1">
               <a:rPr lang="zh-TW" altLang="en-US" smtClean="0"/>
-              <a:t>2016/12/3</a:t>
+              <a:t>2022/11/12</a:t>
             </a:fld>
             <a:endParaRPr lang="zh-TW" altLang="en-US"/>
           </a:p>
@@ -14097,7 +14087,7 @@
           <a:p>
             <a:fld id="{E0EFF268-3616-48FD-9778-BBA6A4676333}" type="datetime1">
               <a:rPr lang="zh-TW" altLang="en-US" smtClean="0"/>
-              <a:t>2016/12/3</a:t>
+              <a:t>2022/11/12</a:t>
             </a:fld>
             <a:endParaRPr lang="zh-TW" altLang="en-US"/>
           </a:p>
@@ -15304,28 +15294,28 @@
                 <a:gridCol w="1971675">
                   <a:extLst>
                     <a:ext uri="{9D8B030D-6E8A-4147-A177-3AD203B41FA5}">
-                      <a16:colId xmlns:a16="http://schemas.microsoft.com/office/drawing/2014/main" val="20000"/>
+                      <a16:colId xmlns:a16="http://schemas.microsoft.com/office/drawing/2014/main" xmlns="" val="20000"/>
                     </a:ext>
                   </a:extLst>
                 </a:gridCol>
                 <a:gridCol w="1971675">
                   <a:extLst>
                     <a:ext uri="{9D8B030D-6E8A-4147-A177-3AD203B41FA5}">
-                      <a16:colId xmlns:a16="http://schemas.microsoft.com/office/drawing/2014/main" val="20001"/>
+                      <a16:colId xmlns:a16="http://schemas.microsoft.com/office/drawing/2014/main" xmlns="" val="20001"/>
                     </a:ext>
                   </a:extLst>
                 </a:gridCol>
                 <a:gridCol w="1971675">
                   <a:extLst>
                     <a:ext uri="{9D8B030D-6E8A-4147-A177-3AD203B41FA5}">
-                      <a16:colId xmlns:a16="http://schemas.microsoft.com/office/drawing/2014/main" val="20002"/>
+                      <a16:colId xmlns:a16="http://schemas.microsoft.com/office/drawing/2014/main" xmlns="" val="20002"/>
                     </a:ext>
                   </a:extLst>
                 </a:gridCol>
                 <a:gridCol w="1971675">
                   <a:extLst>
                     <a:ext uri="{9D8B030D-6E8A-4147-A177-3AD203B41FA5}">
-                      <a16:colId xmlns:a16="http://schemas.microsoft.com/office/drawing/2014/main" val="20003"/>
+                      <a16:colId xmlns:a16="http://schemas.microsoft.com/office/drawing/2014/main" xmlns="" val="20003"/>
                     </a:ext>
                   </a:extLst>
                 </a:gridCol>
@@ -15393,7 +15383,7 @@
                 </a:tc>
                 <a:extLst>
                   <a:ext uri="{0D108BD9-81ED-4DB2-BD59-A6C34878D82A}">
-                    <a16:rowId xmlns:a16="http://schemas.microsoft.com/office/drawing/2014/main" val="10000"/>
+                    <a16:rowId xmlns:a16="http://schemas.microsoft.com/office/drawing/2014/main" xmlns="" val="10000"/>
                   </a:ext>
                 </a:extLst>
               </a:tr>
@@ -15465,7 +15455,7 @@
                 </a:tc>
                 <a:extLst>
                   <a:ext uri="{0D108BD9-81ED-4DB2-BD59-A6C34878D82A}">
-                    <a16:rowId xmlns:a16="http://schemas.microsoft.com/office/drawing/2014/main" val="10001"/>
+                    <a16:rowId xmlns:a16="http://schemas.microsoft.com/office/drawing/2014/main" xmlns="" val="10001"/>
                   </a:ext>
                 </a:extLst>
               </a:tr>
@@ -15537,7 +15527,7 @@
                 </a:tc>
                 <a:extLst>
                   <a:ext uri="{0D108BD9-81ED-4DB2-BD59-A6C34878D82A}">
-                    <a16:rowId xmlns:a16="http://schemas.microsoft.com/office/drawing/2014/main" val="10002"/>
+                    <a16:rowId xmlns:a16="http://schemas.microsoft.com/office/drawing/2014/main" xmlns="" val="10002"/>
                   </a:ext>
                 </a:extLst>
               </a:tr>
@@ -15562,7 +15552,7 @@
           <a:p>
             <a:fld id="{5A0B17C9-1A35-4216-82FA-299D192A2D4E}" type="datetime1">
               <a:rPr lang="zh-TW" altLang="en-US" smtClean="0"/>
-              <a:t>2016/12/3</a:t>
+              <a:t>2022/11/12</a:t>
             </a:fld>
             <a:endParaRPr lang="zh-TW" altLang="en-US"/>
           </a:p>
@@ -15619,28 +15609,28 @@
                 <a:gridCol w="760925">
                   <a:extLst>
                     <a:ext uri="{9D8B030D-6E8A-4147-A177-3AD203B41FA5}">
-                      <a16:colId xmlns:a16="http://schemas.microsoft.com/office/drawing/2014/main" val="20000"/>
+                      <a16:colId xmlns:a16="http://schemas.microsoft.com/office/drawing/2014/main" xmlns="" val="20000"/>
                     </a:ext>
                   </a:extLst>
                 </a:gridCol>
                 <a:gridCol w="760925">
                   <a:extLst>
                     <a:ext uri="{9D8B030D-6E8A-4147-A177-3AD203B41FA5}">
-                      <a16:colId xmlns:a16="http://schemas.microsoft.com/office/drawing/2014/main" val="20001"/>
+                      <a16:colId xmlns:a16="http://schemas.microsoft.com/office/drawing/2014/main" xmlns="" val="20001"/>
                     </a:ext>
                   </a:extLst>
                 </a:gridCol>
                 <a:gridCol w="760925">
                   <a:extLst>
                     <a:ext uri="{9D8B030D-6E8A-4147-A177-3AD203B41FA5}">
-                      <a16:colId xmlns:a16="http://schemas.microsoft.com/office/drawing/2014/main" val="20002"/>
+                      <a16:colId xmlns:a16="http://schemas.microsoft.com/office/drawing/2014/main" xmlns="" val="20002"/>
                     </a:ext>
                   </a:extLst>
                 </a:gridCol>
                 <a:gridCol w="760925">
                   <a:extLst>
                     <a:ext uri="{9D8B030D-6E8A-4147-A177-3AD203B41FA5}">
-                      <a16:colId xmlns:a16="http://schemas.microsoft.com/office/drawing/2014/main" val="20003"/>
+                      <a16:colId xmlns:a16="http://schemas.microsoft.com/office/drawing/2014/main" xmlns="" val="20003"/>
                     </a:ext>
                   </a:extLst>
                 </a:gridCol>
@@ -15793,7 +15783,7 @@
                 </a:tc>
                 <a:extLst>
                   <a:ext uri="{0D108BD9-81ED-4DB2-BD59-A6C34878D82A}">
-                    <a16:rowId xmlns:a16="http://schemas.microsoft.com/office/drawing/2014/main" val="10000"/>
+                    <a16:rowId xmlns:a16="http://schemas.microsoft.com/office/drawing/2014/main" xmlns="" val="10000"/>
                   </a:ext>
                 </a:extLst>
               </a:tr>
@@ -16044,7 +16034,7 @@
                 </a:tc>
                 <a:extLst>
                   <a:ext uri="{0D108BD9-81ED-4DB2-BD59-A6C34878D82A}">
-                    <a16:rowId xmlns:a16="http://schemas.microsoft.com/office/drawing/2014/main" val="10001"/>
+                    <a16:rowId xmlns:a16="http://schemas.microsoft.com/office/drawing/2014/main" xmlns="" val="10001"/>
                   </a:ext>
                 </a:extLst>
               </a:tr>
@@ -16244,7 +16234,7 @@
                 </a:tc>
                 <a:extLst>
                   <a:ext uri="{0D108BD9-81ED-4DB2-BD59-A6C34878D82A}">
-                    <a16:rowId xmlns:a16="http://schemas.microsoft.com/office/drawing/2014/main" val="10002"/>
+                    <a16:rowId xmlns:a16="http://schemas.microsoft.com/office/drawing/2014/main" xmlns="" val="10002"/>
                   </a:ext>
                 </a:extLst>
               </a:tr>
@@ -16329,7 +16319,7 @@
           <a:p>
             <a:fld id="{C60B81E8-7334-464F-8B48-45CA70843E0C}" type="datetime1">
               <a:rPr lang="zh-TW" altLang="en-US" smtClean="0"/>
-              <a:t>2016/12/3</a:t>
+              <a:t>2022/11/12</a:t>
             </a:fld>
             <a:endParaRPr lang="zh-TW" altLang="en-US"/>
           </a:p>
